--- a/INVEST.pptx
+++ b/INVEST.pptx
@@ -3929,6 +3929,13 @@
         </dgm:presLayoutVars>
       </dgm:prSet>
       <dgm:spPr/>
+      <dgm:t>
+        <a:bodyPr/>
+        <a:lstStyle/>
+        <a:p>
+          <a:endParaRPr lang="en-US"/>
+        </a:p>
+      </dgm:t>
     </dgm:pt>
     <dgm:pt modelId="{1ABA0B90-DA74-461E-AFF4-DB6C71DF6689}" type="pres">
       <dgm:prSet presAssocID="{3DC2681B-9BFE-4E79-A353-374DCAAA5A9C}" presName="Parent" presStyleLbl="node0" presStyleIdx="0" presStyleCnt="1" custScaleX="17382" custScaleY="22251" custLinFactNeighborX="-66704" custLinFactNeighborY="-44402">
@@ -3948,9 +3955,9 @@
     </dgm:pt>
   </dgm:ptLst>
   <dgm:cxnLst>
+    <dgm:cxn modelId="{F6C5A33C-EFD0-48B0-96EA-3EA5A9166FCC}" type="presOf" srcId="{5430D171-6180-4877-B826-A6E6E154959B}" destId="{126A1961-A8B3-4004-B65B-38F82EA09CEB}" srcOrd="0" destOrd="0" presId="urn:microsoft.com/office/officeart/2011/layout/HexagonRadial"/>
     <dgm:cxn modelId="{445B2685-3C70-43CE-B31E-E6CEBA919C16}" type="presOf" srcId="{3DC2681B-9BFE-4E79-A353-374DCAAA5A9C}" destId="{1ABA0B90-DA74-461E-AFF4-DB6C71DF6689}" srcOrd="0" destOrd="0" presId="urn:microsoft.com/office/officeart/2011/layout/HexagonRadial"/>
     <dgm:cxn modelId="{D4CA5C22-FDE5-4258-99E6-58CDFC3C0C7B}" srcId="{5430D171-6180-4877-B826-A6E6E154959B}" destId="{3DC2681B-9BFE-4E79-A353-374DCAAA5A9C}" srcOrd="0" destOrd="0" parTransId="{0ED2FBC2-61C0-4375-B370-87144D28EB13}" sibTransId="{8FD1AB36-7324-4C1D-848F-DBD64CB08FBF}"/>
-    <dgm:cxn modelId="{F6C5A33C-EFD0-48B0-96EA-3EA5A9166FCC}" type="presOf" srcId="{5430D171-6180-4877-B826-A6E6E154959B}" destId="{126A1961-A8B3-4004-B65B-38F82EA09CEB}" srcOrd="0" destOrd="0" presId="urn:microsoft.com/office/officeart/2011/layout/HexagonRadial"/>
     <dgm:cxn modelId="{78F11584-8101-4EC0-8440-5332E9905E91}" type="presParOf" srcId="{126A1961-A8B3-4004-B65B-38F82EA09CEB}" destId="{1ABA0B90-DA74-461E-AFF4-DB6C71DF6689}" srcOrd="0" destOrd="0" presId="urn:microsoft.com/office/officeart/2011/layout/HexagonRadial"/>
   </dgm:cxnLst>
   <dgm:bg/>
@@ -4319,6 +4326,13 @@
         </dgm:presLayoutVars>
       </dgm:prSet>
       <dgm:spPr/>
+      <dgm:t>
+        <a:bodyPr/>
+        <a:lstStyle/>
+        <a:p>
+          <a:endParaRPr lang="en-US"/>
+        </a:p>
+      </dgm:t>
     </dgm:pt>
     <dgm:pt modelId="{6FD77D24-09AA-49F5-AFAF-F690F7136DF5}" type="pres">
       <dgm:prSet presAssocID="{53704CBA-A7C9-4135-999E-E7EF6E942A12}" presName="composite" presStyleCnt="0"/>
@@ -4332,6 +4346,13 @@
         </dgm:presLayoutVars>
       </dgm:prSet>
       <dgm:spPr/>
+      <dgm:t>
+        <a:bodyPr/>
+        <a:lstStyle/>
+        <a:p>
+          <a:endParaRPr lang="en-US"/>
+        </a:p>
+      </dgm:t>
     </dgm:pt>
     <dgm:pt modelId="{93C28220-FBAE-42EE-9CCC-64DD0519D048}" type="pres">
       <dgm:prSet presAssocID="{53704CBA-A7C9-4135-999E-E7EF6E942A12}" presName="descendantText" presStyleLbl="alignAcc1" presStyleIdx="0" presStyleCnt="3" custLinFactNeighborX="333" custLinFactNeighborY="13996">
@@ -4364,6 +4385,13 @@
         </dgm:presLayoutVars>
       </dgm:prSet>
       <dgm:spPr/>
+      <dgm:t>
+        <a:bodyPr/>
+        <a:lstStyle/>
+        <a:p>
+          <a:endParaRPr lang="en-US"/>
+        </a:p>
+      </dgm:t>
     </dgm:pt>
     <dgm:pt modelId="{75452235-54ED-4206-A202-71172CD30F4A}" type="pres">
       <dgm:prSet presAssocID="{F056890D-5F56-4CAB-B720-5EEB10A85D58}" presName="descendantText" presStyleLbl="alignAcc1" presStyleIdx="1" presStyleCnt="3">
@@ -4396,6 +4424,13 @@
         </dgm:presLayoutVars>
       </dgm:prSet>
       <dgm:spPr/>
+      <dgm:t>
+        <a:bodyPr/>
+        <a:lstStyle/>
+        <a:p>
+          <a:endParaRPr lang="en-US"/>
+        </a:p>
+      </dgm:t>
     </dgm:pt>
     <dgm:pt modelId="{E4C3DA15-9349-43DC-B69E-C2814730D396}" type="pres">
       <dgm:prSet presAssocID="{BE8D3C65-9A2E-4A34-8802-69123547E068}" presName="descendantText" presStyleLbl="alignAcc1" presStyleIdx="2" presStyleCnt="3">
@@ -4414,25 +4449,25 @@
     </dgm:pt>
   </dgm:ptLst>
   <dgm:cxnLst>
+    <dgm:cxn modelId="{C387CBB1-4655-448B-B6BC-A2A4B8D85046}" srcId="{F11BBB8E-01F3-47DE-BBCE-454DF2EC958F}" destId="{BE8D3C65-9A2E-4A34-8802-69123547E068}" srcOrd="2" destOrd="0" parTransId="{A1655AD0-9554-4771-B476-070598FD1E9F}" sibTransId="{77895994-DBE5-4447-984E-C8B0888D6B07}"/>
+    <dgm:cxn modelId="{A5BCC9B3-D33D-49A2-A8D0-68EB5EDD73C3}" srcId="{53704CBA-A7C9-4135-999E-E7EF6E942A12}" destId="{7BF89EA7-72C9-462F-9499-B2C8A3259181}" srcOrd="1" destOrd="0" parTransId="{520C85D0-E913-4201-AFA0-60B4B6C526F2}" sibTransId="{BD2FE4E5-7740-43A9-B568-ACDB638CACAB}"/>
+    <dgm:cxn modelId="{24CCEBB8-B22C-4EBF-B167-A919A99EE23D}" type="presOf" srcId="{F056890D-5F56-4CAB-B720-5EEB10A85D58}" destId="{E41D5600-E31C-4997-81FF-1BAB04E1482A}" srcOrd="0" destOrd="0" presId="urn:microsoft.com/office/officeart/2005/8/layout/chevron2"/>
+    <dgm:cxn modelId="{3940A304-559E-48D8-9C5B-470AAE4A93C9}" srcId="{53704CBA-A7C9-4135-999E-E7EF6E942A12}" destId="{709B912C-33FF-4B6D-A1DA-2E72755D83BF}" srcOrd="0" destOrd="0" parTransId="{4F2448C2-9921-4BA5-AE09-B8E83A444367}" sibTransId="{F647A857-2C38-413A-99C0-B10A7CDC18F0}"/>
+    <dgm:cxn modelId="{83F53662-7431-40B2-B765-88947F23F49B}" srcId="{F056890D-5F56-4CAB-B720-5EEB10A85D58}" destId="{12E385A6-9E19-4FDD-A890-3E10201F3C63}" srcOrd="1" destOrd="0" parTransId="{527BAF5A-A7ED-4337-B02F-9368F90C215D}" sibTransId="{63EB0622-A1F8-4DA2-A467-D2AD64D999D6}"/>
+    <dgm:cxn modelId="{6B9CF85E-054F-40A2-AB29-B18F58E3DC73}" srcId="{F11BBB8E-01F3-47DE-BBCE-454DF2EC958F}" destId="{53704CBA-A7C9-4135-999E-E7EF6E942A12}" srcOrd="0" destOrd="0" parTransId="{8C5A93F8-43FC-479B-86D2-E8EA91B5AB9E}" sibTransId="{94E94817-40C9-48E0-883D-8B2132CF5ED9}"/>
+    <dgm:cxn modelId="{3F3E8453-4F5F-4C54-9A9E-6E252C2137C1}" type="presOf" srcId="{53704CBA-A7C9-4135-999E-E7EF6E942A12}" destId="{F8F4BFE3-0411-4BF4-A969-E53CA55DE8A3}" srcOrd="0" destOrd="0" presId="urn:microsoft.com/office/officeart/2005/8/layout/chevron2"/>
+    <dgm:cxn modelId="{16044D6D-F608-4F4A-9736-E331F02006CE}" srcId="{F11BBB8E-01F3-47DE-BBCE-454DF2EC958F}" destId="{F056890D-5F56-4CAB-B720-5EEB10A85D58}" srcOrd="1" destOrd="0" parTransId="{4219152A-CF87-4CAF-B8BD-AAB2A2A31859}" sibTransId="{DFBA5ED0-2EBD-4EB3-BD40-556F45F16FDE}"/>
+    <dgm:cxn modelId="{0453B268-CE43-4916-92E3-E0E4E5BF5FBA}" srcId="{BE8D3C65-9A2E-4A34-8802-69123547E068}" destId="{329B0175-6F94-47AB-8661-90872F6706E2}" srcOrd="1" destOrd="0" parTransId="{E94E15D0-B6B2-473E-87F4-6E4DD576ECD7}" sibTransId="{7063BA22-7160-42D5-829C-7172FE03E127}"/>
     <dgm:cxn modelId="{73C1039A-2B7A-4445-AC6B-436BFFEB0CBB}" type="presOf" srcId="{709B912C-33FF-4B6D-A1DA-2E72755D83BF}" destId="{93C28220-FBAE-42EE-9CCC-64DD0519D048}" srcOrd="0" destOrd="0" presId="urn:microsoft.com/office/officeart/2005/8/layout/chevron2"/>
-    <dgm:cxn modelId="{0453B268-CE43-4916-92E3-E0E4E5BF5FBA}" srcId="{BE8D3C65-9A2E-4A34-8802-69123547E068}" destId="{329B0175-6F94-47AB-8661-90872F6706E2}" srcOrd="1" destOrd="0" parTransId="{E94E15D0-B6B2-473E-87F4-6E4DD576ECD7}" sibTransId="{7063BA22-7160-42D5-829C-7172FE03E127}"/>
-    <dgm:cxn modelId="{83F53662-7431-40B2-B765-88947F23F49B}" srcId="{F056890D-5F56-4CAB-B720-5EEB10A85D58}" destId="{12E385A6-9E19-4FDD-A890-3E10201F3C63}" srcOrd="1" destOrd="0" parTransId="{527BAF5A-A7ED-4337-B02F-9368F90C215D}" sibTransId="{63EB0622-A1F8-4DA2-A467-D2AD64D999D6}"/>
-    <dgm:cxn modelId="{16044D6D-F608-4F4A-9736-E331F02006CE}" srcId="{F11BBB8E-01F3-47DE-BBCE-454DF2EC958F}" destId="{F056890D-5F56-4CAB-B720-5EEB10A85D58}" srcOrd="1" destOrd="0" parTransId="{4219152A-CF87-4CAF-B8BD-AAB2A2A31859}" sibTransId="{DFBA5ED0-2EBD-4EB3-BD40-556F45F16FDE}"/>
-    <dgm:cxn modelId="{6B9CF85E-054F-40A2-AB29-B18F58E3DC73}" srcId="{F11BBB8E-01F3-47DE-BBCE-454DF2EC958F}" destId="{53704CBA-A7C9-4135-999E-E7EF6E942A12}" srcOrd="0" destOrd="0" parTransId="{8C5A93F8-43FC-479B-86D2-E8EA91B5AB9E}" sibTransId="{94E94817-40C9-48E0-883D-8B2132CF5ED9}"/>
+    <dgm:cxn modelId="{7874F47A-6F22-4E2D-90FF-C84F16DB5883}" srcId="{F056890D-5F56-4CAB-B720-5EEB10A85D58}" destId="{1569FA46-0F75-4C2C-A246-16E68A2708D4}" srcOrd="0" destOrd="0" parTransId="{B3B4C363-3239-4F89-987A-710DE0E3FAF2}" sibTransId="{DBEFDADF-05E4-4E65-9A35-50422D5C5500}"/>
     <dgm:cxn modelId="{8E210CB4-B90C-4E8F-8E54-6E21F81E4A7A}" type="presOf" srcId="{1569FA46-0F75-4C2C-A246-16E68A2708D4}" destId="{75452235-54ED-4206-A202-71172CD30F4A}" srcOrd="0" destOrd="0" presId="urn:microsoft.com/office/officeart/2005/8/layout/chevron2"/>
+    <dgm:cxn modelId="{17C45957-CB97-4230-B8CB-42E516E8B58C}" srcId="{BE8D3C65-9A2E-4A34-8802-69123547E068}" destId="{C9B1A04F-CE92-40FF-AF67-F06E3848C797}" srcOrd="0" destOrd="0" parTransId="{9FE6142D-B2A6-4969-811E-4680D48E9EBE}" sibTransId="{2396C3A9-9938-46C6-A792-2A6D6CEA74EC}"/>
+    <dgm:cxn modelId="{89C3AAD2-AC93-4455-A9BA-64C71FFFA59A}" type="presOf" srcId="{329B0175-6F94-47AB-8661-90872F6706E2}" destId="{E4C3DA15-9349-43DC-B69E-C2814730D396}" srcOrd="0" destOrd="1" presId="urn:microsoft.com/office/officeart/2005/8/layout/chevron2"/>
+    <dgm:cxn modelId="{AA4DBF2B-8626-44E9-9D7F-84611EC94900}" type="presOf" srcId="{F11BBB8E-01F3-47DE-BBCE-454DF2EC958F}" destId="{F37079E2-42BC-4EED-8A17-4E4DD1ACC1E0}" srcOrd="0" destOrd="0" presId="urn:microsoft.com/office/officeart/2005/8/layout/chevron2"/>
+    <dgm:cxn modelId="{282949C4-BC75-4E2E-BD3B-11F283DC5F4C}" type="presOf" srcId="{C9B1A04F-CE92-40FF-AF67-F06E3848C797}" destId="{E4C3DA15-9349-43DC-B69E-C2814730D396}" srcOrd="0" destOrd="0" presId="urn:microsoft.com/office/officeart/2005/8/layout/chevron2"/>
     <dgm:cxn modelId="{25577B23-D9AF-4728-8F13-BE751B2975DE}" type="presOf" srcId="{BE8D3C65-9A2E-4A34-8802-69123547E068}" destId="{40393AAC-A95C-4F7A-8DA4-D62AC202DC18}" srcOrd="0" destOrd="0" presId="urn:microsoft.com/office/officeart/2005/8/layout/chevron2"/>
     <dgm:cxn modelId="{54052563-FC97-47B9-A3D1-C652669A0176}" type="presOf" srcId="{12E385A6-9E19-4FDD-A890-3E10201F3C63}" destId="{75452235-54ED-4206-A202-71172CD30F4A}" srcOrd="0" destOrd="1" presId="urn:microsoft.com/office/officeart/2005/8/layout/chevron2"/>
-    <dgm:cxn modelId="{282949C4-BC75-4E2E-BD3B-11F283DC5F4C}" type="presOf" srcId="{C9B1A04F-CE92-40FF-AF67-F06E3848C797}" destId="{E4C3DA15-9349-43DC-B69E-C2814730D396}" srcOrd="0" destOrd="0" presId="urn:microsoft.com/office/officeart/2005/8/layout/chevron2"/>
-    <dgm:cxn modelId="{A5BCC9B3-D33D-49A2-A8D0-68EB5EDD73C3}" srcId="{53704CBA-A7C9-4135-999E-E7EF6E942A12}" destId="{7BF89EA7-72C9-462F-9499-B2C8A3259181}" srcOrd="1" destOrd="0" parTransId="{520C85D0-E913-4201-AFA0-60B4B6C526F2}" sibTransId="{BD2FE4E5-7740-43A9-B568-ACDB638CACAB}"/>
-    <dgm:cxn modelId="{24CCEBB8-B22C-4EBF-B167-A919A99EE23D}" type="presOf" srcId="{F056890D-5F56-4CAB-B720-5EEB10A85D58}" destId="{E41D5600-E31C-4997-81FF-1BAB04E1482A}" srcOrd="0" destOrd="0" presId="urn:microsoft.com/office/officeart/2005/8/layout/chevron2"/>
-    <dgm:cxn modelId="{89C3AAD2-AC93-4455-A9BA-64C71FFFA59A}" type="presOf" srcId="{329B0175-6F94-47AB-8661-90872F6706E2}" destId="{E4C3DA15-9349-43DC-B69E-C2814730D396}" srcOrd="0" destOrd="1" presId="urn:microsoft.com/office/officeart/2005/8/layout/chevron2"/>
-    <dgm:cxn modelId="{AA4DBF2B-8626-44E9-9D7F-84611EC94900}" type="presOf" srcId="{F11BBB8E-01F3-47DE-BBCE-454DF2EC958F}" destId="{F37079E2-42BC-4EED-8A17-4E4DD1ACC1E0}" srcOrd="0" destOrd="0" presId="urn:microsoft.com/office/officeart/2005/8/layout/chevron2"/>
-    <dgm:cxn modelId="{3F3E8453-4F5F-4C54-9A9E-6E252C2137C1}" type="presOf" srcId="{53704CBA-A7C9-4135-999E-E7EF6E942A12}" destId="{F8F4BFE3-0411-4BF4-A969-E53CA55DE8A3}" srcOrd="0" destOrd="0" presId="urn:microsoft.com/office/officeart/2005/8/layout/chevron2"/>
-    <dgm:cxn modelId="{17C45957-CB97-4230-B8CB-42E516E8B58C}" srcId="{BE8D3C65-9A2E-4A34-8802-69123547E068}" destId="{C9B1A04F-CE92-40FF-AF67-F06E3848C797}" srcOrd="0" destOrd="0" parTransId="{9FE6142D-B2A6-4969-811E-4680D48E9EBE}" sibTransId="{2396C3A9-9938-46C6-A792-2A6D6CEA74EC}"/>
-    <dgm:cxn modelId="{3940A304-559E-48D8-9C5B-470AAE4A93C9}" srcId="{53704CBA-A7C9-4135-999E-E7EF6E942A12}" destId="{709B912C-33FF-4B6D-A1DA-2E72755D83BF}" srcOrd="0" destOrd="0" parTransId="{4F2448C2-9921-4BA5-AE09-B8E83A444367}" sibTransId="{F647A857-2C38-413A-99C0-B10A7CDC18F0}"/>
     <dgm:cxn modelId="{763EFBCD-E544-4F5C-A973-04287DD97EF5}" type="presOf" srcId="{7BF89EA7-72C9-462F-9499-B2C8A3259181}" destId="{93C28220-FBAE-42EE-9CCC-64DD0519D048}" srcOrd="0" destOrd="1" presId="urn:microsoft.com/office/officeart/2005/8/layout/chevron2"/>
-    <dgm:cxn modelId="{7874F47A-6F22-4E2D-90FF-C84F16DB5883}" srcId="{F056890D-5F56-4CAB-B720-5EEB10A85D58}" destId="{1569FA46-0F75-4C2C-A246-16E68A2708D4}" srcOrd="0" destOrd="0" parTransId="{B3B4C363-3239-4F89-987A-710DE0E3FAF2}" sibTransId="{DBEFDADF-05E4-4E65-9A35-50422D5C5500}"/>
-    <dgm:cxn modelId="{C387CBB1-4655-448B-B6BC-A2A4B8D85046}" srcId="{F11BBB8E-01F3-47DE-BBCE-454DF2EC958F}" destId="{BE8D3C65-9A2E-4A34-8802-69123547E068}" srcOrd="2" destOrd="0" parTransId="{A1655AD0-9554-4771-B476-070598FD1E9F}" sibTransId="{77895994-DBE5-4447-984E-C8B0888D6B07}"/>
     <dgm:cxn modelId="{DE740698-8ABB-4D36-82C9-D2C4183780AA}" type="presParOf" srcId="{F37079E2-42BC-4EED-8A17-4E4DD1ACC1E0}" destId="{6FD77D24-09AA-49F5-AFAF-F690F7136DF5}" srcOrd="0" destOrd="0" presId="urn:microsoft.com/office/officeart/2005/8/layout/chevron2"/>
     <dgm:cxn modelId="{9276BAC7-8E5D-4000-B38E-01D3027FE299}" type="presParOf" srcId="{6FD77D24-09AA-49F5-AFAF-F690F7136DF5}" destId="{F8F4BFE3-0411-4BF4-A969-E53CA55DE8A3}" srcOrd="0" destOrd="0" presId="urn:microsoft.com/office/officeart/2005/8/layout/chevron2"/>
     <dgm:cxn modelId="{3A7004EE-5FFE-41A6-8B07-051389B8E358}" type="presParOf" srcId="{6FD77D24-09AA-49F5-AFAF-F690F7136DF5}" destId="{93C28220-FBAE-42EE-9CCC-64DD0519D048}" srcOrd="1" destOrd="0" presId="urn:microsoft.com/office/officeart/2005/8/layout/chevron2"/>
@@ -4811,6 +4846,13 @@
         </dgm:presLayoutVars>
       </dgm:prSet>
       <dgm:spPr/>
+      <dgm:t>
+        <a:bodyPr/>
+        <a:lstStyle/>
+        <a:p>
+          <a:endParaRPr lang="en-US"/>
+        </a:p>
+      </dgm:t>
     </dgm:pt>
     <dgm:pt modelId="{71DB6769-86B9-41B9-A484-8903CD836D89}" type="pres">
       <dgm:prSet presAssocID="{C4199448-73EC-464B-BF41-90AA8A102A42}" presName="composite" presStyleCnt="0"/>
@@ -5324,6 +5366,13 @@
         </dgm:presLayoutVars>
       </dgm:prSet>
       <dgm:spPr/>
+      <dgm:t>
+        <a:bodyPr/>
+        <a:lstStyle/>
+        <a:p>
+          <a:endParaRPr lang="en-US"/>
+        </a:p>
+      </dgm:t>
     </dgm:pt>
     <dgm:pt modelId="{CE5F1465-4BD6-4CCA-A4B4-962DC43B9A2A}" type="pres">
       <dgm:prSet presAssocID="{A8CAB2D1-B017-49D4-9FEA-2DE9382422C3}" presName="composite" presStyleCnt="0"/>
@@ -5337,6 +5386,13 @@
         </dgm:presLayoutVars>
       </dgm:prSet>
       <dgm:spPr/>
+      <dgm:t>
+        <a:bodyPr/>
+        <a:lstStyle/>
+        <a:p>
+          <a:endParaRPr lang="en-US"/>
+        </a:p>
+      </dgm:t>
     </dgm:pt>
     <dgm:pt modelId="{C67B35AC-445E-4742-91B5-E0960902AE2F}" type="pres">
       <dgm:prSet presAssocID="{A8CAB2D1-B017-49D4-9FEA-2DE9382422C3}" presName="descendantText" presStyleLbl="alignAcc1" presStyleIdx="0" presStyleCnt="3">
@@ -5826,6 +5882,13 @@
         </dgm:presLayoutVars>
       </dgm:prSet>
       <dgm:spPr/>
+      <dgm:t>
+        <a:bodyPr/>
+        <a:lstStyle/>
+        <a:p>
+          <a:endParaRPr lang="en-US"/>
+        </a:p>
+      </dgm:t>
     </dgm:pt>
     <dgm:pt modelId="{A8904355-53A6-49FF-B61A-45BB4C7169F4}" type="pres">
       <dgm:prSet presAssocID="{EF6283EA-CD84-4176-AF38-B0B34F43979E}" presName="composite" presStyleCnt="0"/>
@@ -5839,6 +5902,13 @@
         </dgm:presLayoutVars>
       </dgm:prSet>
       <dgm:spPr/>
+      <dgm:t>
+        <a:bodyPr/>
+        <a:lstStyle/>
+        <a:p>
+          <a:endParaRPr lang="en-US"/>
+        </a:p>
+      </dgm:t>
     </dgm:pt>
     <dgm:pt modelId="{2003AF21-E137-40E6-8087-16EA2E529668}" type="pres">
       <dgm:prSet presAssocID="{EF6283EA-CD84-4176-AF38-B0B34F43979E}" presName="descendantText" presStyleLbl="alignAcc1" presStyleIdx="0" presStyleCnt="3">
@@ -5847,6 +5917,13 @@
         </dgm:presLayoutVars>
       </dgm:prSet>
       <dgm:spPr/>
+      <dgm:t>
+        <a:bodyPr/>
+        <a:lstStyle/>
+        <a:p>
+          <a:endParaRPr lang="en-US"/>
+        </a:p>
+      </dgm:t>
     </dgm:pt>
     <dgm:pt modelId="{98DF1D71-DCE3-49A1-A7A4-E86C1B3C7B9F}" type="pres">
       <dgm:prSet presAssocID="{16C93664-317C-4B33-9BBB-30CA7847A23E}" presName="sp" presStyleCnt="0"/>
@@ -5928,25 +6005,25 @@
     </dgm:pt>
   </dgm:ptLst>
   <dgm:cxnLst>
+    <dgm:cxn modelId="{024345CD-77AD-4953-BD75-2D806C87FB42}" srcId="{6F8942F5-096F-4D4D-B434-5C9172C01475}" destId="{92233023-40AE-4B3A-B3D1-12C4ECFD8B7A}" srcOrd="1" destOrd="0" parTransId="{D7B50C91-EA27-43E6-B5E3-E00A33081681}" sibTransId="{D3C76BD4-5068-441E-B37C-9854246D9A80}"/>
     <dgm:cxn modelId="{B093D125-97A1-4072-AE96-FDA72F7B9C47}" type="presOf" srcId="{EF6283EA-CD84-4176-AF38-B0B34F43979E}" destId="{C9ACCE0B-E0F3-47B9-83C0-5BABAE820B13}" srcOrd="0" destOrd="0" presId="urn:microsoft.com/office/officeart/2005/8/layout/chevron2"/>
+    <dgm:cxn modelId="{29EA1DE6-A336-43CE-9574-5048489363ED}" srcId="{EF6283EA-CD84-4176-AF38-B0B34F43979E}" destId="{27481AE2-3DB1-4A34-874C-5F0CAD2C4199}" srcOrd="1" destOrd="0" parTransId="{35A72E09-73FF-40D4-A637-D6E082028F71}" sibTransId="{F3B8BFF3-C0DB-41FD-881E-F9B83A0403F3}"/>
+    <dgm:cxn modelId="{0E31EA87-D3C0-48EE-9990-5F29B574EF1E}" type="presOf" srcId="{62A1EF75-B82A-450E-A177-1924E89943BB}" destId="{DA412D7D-090E-467D-A689-0E3D2E999567}" srcOrd="0" destOrd="0" presId="urn:microsoft.com/office/officeart/2005/8/layout/chevron2"/>
+    <dgm:cxn modelId="{90DF4529-1CA5-40A2-98EB-86483F6322FF}" type="presOf" srcId="{CD0C6CB6-2537-4D73-8EB5-808EBC98EA3B}" destId="{C934A9A3-E264-4593-A613-8396741F1A6E}" srcOrd="0" destOrd="0" presId="urn:microsoft.com/office/officeart/2005/8/layout/chevron2"/>
+    <dgm:cxn modelId="{3F29873C-2A01-414F-BDD9-E608B8FD573C}" srcId="{EF6283EA-CD84-4176-AF38-B0B34F43979E}" destId="{B89C5B69-A3A6-4756-8100-7A150B9D9DC7}" srcOrd="0" destOrd="0" parTransId="{82E0AFF5-B6C9-4404-9070-16A50BB8EEBE}" sibTransId="{B9505DD2-4099-46B5-875E-E1E4588F527E}"/>
+    <dgm:cxn modelId="{22C06BFD-DAC1-4204-BE5C-3E93601058E8}" type="presOf" srcId="{4A50EDF9-6A9D-4AD5-A496-36A1A2ACCC24}" destId="{1B501460-0F9B-4894-99DE-B654B02CD1EC}" srcOrd="0" destOrd="0" presId="urn:microsoft.com/office/officeart/2005/8/layout/chevron2"/>
+    <dgm:cxn modelId="{E7D83CFE-41A9-4F12-9E03-C4FDDCB5DD3D}" type="presOf" srcId="{191D8357-C9C4-4144-AC1F-30CC948EE903}" destId="{EA13E1DF-FA45-4077-8845-4EC225E8B39A}" srcOrd="0" destOrd="0" presId="urn:microsoft.com/office/officeart/2005/8/layout/chevron2"/>
     <dgm:cxn modelId="{B5C82176-8D88-4AB6-948E-897194CFF133}" type="presOf" srcId="{27481AE2-3DB1-4A34-874C-5F0CAD2C4199}" destId="{2003AF21-E137-40E6-8087-16EA2E529668}" srcOrd="0" destOrd="1" presId="urn:microsoft.com/office/officeart/2005/8/layout/chevron2"/>
-    <dgm:cxn modelId="{29EA1DE6-A336-43CE-9574-5048489363ED}" srcId="{EF6283EA-CD84-4176-AF38-B0B34F43979E}" destId="{27481AE2-3DB1-4A34-874C-5F0CAD2C4199}" srcOrd="1" destOrd="0" parTransId="{35A72E09-73FF-40D4-A637-D6E082028F71}" sibTransId="{F3B8BFF3-C0DB-41FD-881E-F9B83A0403F3}"/>
+    <dgm:cxn modelId="{1D7A1C2F-A6BE-4F01-8436-6BCE1219929D}" type="presOf" srcId="{B89C5B69-A3A6-4756-8100-7A150B9D9DC7}" destId="{2003AF21-E137-40E6-8087-16EA2E529668}" srcOrd="0" destOrd="0" presId="urn:microsoft.com/office/officeart/2005/8/layout/chevron2"/>
+    <dgm:cxn modelId="{24CD01C7-BB86-4543-8757-6F16FE7C682E}" srcId="{62A1EF75-B82A-450E-A177-1924E89943BB}" destId="{191D8357-C9C4-4144-AC1F-30CC948EE903}" srcOrd="0" destOrd="0" parTransId="{76365845-D99A-42E5-B971-F55959ED613B}" sibTransId="{2DCCFDB3-A4D7-4ED5-B5C0-6A69666A2DB4}"/>
+    <dgm:cxn modelId="{18A92D75-B484-4541-A569-0F9222E9E791}" type="presOf" srcId="{92233023-40AE-4B3A-B3D1-12C4ECFD8B7A}" destId="{1B501460-0F9B-4894-99DE-B654B02CD1EC}" srcOrd="0" destOrd="1" presId="urn:microsoft.com/office/officeart/2005/8/layout/chevron2"/>
+    <dgm:cxn modelId="{E98B9760-74AC-4455-A437-DA70B4664160}" type="presOf" srcId="{6F8942F5-096F-4D4D-B434-5C9172C01475}" destId="{F459009B-8149-4A9A-9ADB-944CB89AF632}" srcOrd="0" destOrd="0" presId="urn:microsoft.com/office/officeart/2005/8/layout/chevron2"/>
+    <dgm:cxn modelId="{905F2B88-0CC7-4A0B-A593-690A18CFF9D9}" srcId="{CD0C6CB6-2537-4D73-8EB5-808EBC98EA3B}" destId="{62A1EF75-B82A-450E-A177-1924E89943BB}" srcOrd="1" destOrd="0" parTransId="{C99200E4-498F-4FAB-B80E-C32B17736EAE}" sibTransId="{E8B6E7B2-03C0-4264-8419-7768316A6A87}"/>
+    <dgm:cxn modelId="{CF078DAD-D1B5-4BC5-AFB3-856A7C5FA8F4}" srcId="{6F8942F5-096F-4D4D-B434-5C9172C01475}" destId="{4A50EDF9-6A9D-4AD5-A496-36A1A2ACCC24}" srcOrd="0" destOrd="0" parTransId="{A1DC8704-781D-4358-830D-CB5F381265D9}" sibTransId="{1400EEE2-C048-4F43-A033-55DBAA3D4C99}"/>
+    <dgm:cxn modelId="{FE279DBD-28C6-4BA0-98B8-30A07EF1F0C8}" srcId="{CD0C6CB6-2537-4D73-8EB5-808EBC98EA3B}" destId="{6F8942F5-096F-4D4D-B434-5C9172C01475}" srcOrd="2" destOrd="0" parTransId="{702CF221-6224-4136-BA40-461D252580B2}" sibTransId="{9A8679DD-BF3D-4771-AFB9-8F3F354515C2}"/>
+    <dgm:cxn modelId="{ED825373-58E0-4EB5-BDB0-DB879F7BA845}" srcId="{CD0C6CB6-2537-4D73-8EB5-808EBC98EA3B}" destId="{EF6283EA-CD84-4176-AF38-B0B34F43979E}" srcOrd="0" destOrd="0" parTransId="{52551DE9-EF16-4763-AC2A-3C2D37B0CBA2}" sibTransId="{16C93664-317C-4B33-9BBB-30CA7847A23E}"/>
+    <dgm:cxn modelId="{274DBF39-81C0-4E10-B6DA-A066F1317FE0}" srcId="{62A1EF75-B82A-450E-A177-1924E89943BB}" destId="{90D51575-9E72-49DC-A1F1-3E90EB2AF937}" srcOrd="1" destOrd="0" parTransId="{3D1FD573-E743-4C7D-A67D-ABD6581F3916}" sibTransId="{9C5A68A4-324E-45E2-A94E-BC0B5B9D3F85}"/>
     <dgm:cxn modelId="{248EDAA3-8DEF-4D8F-9891-1A3794F75782}" type="presOf" srcId="{90D51575-9E72-49DC-A1F1-3E90EB2AF937}" destId="{EA13E1DF-FA45-4077-8845-4EC225E8B39A}" srcOrd="0" destOrd="1" presId="urn:microsoft.com/office/officeart/2005/8/layout/chevron2"/>
-    <dgm:cxn modelId="{905F2B88-0CC7-4A0B-A593-690A18CFF9D9}" srcId="{CD0C6CB6-2537-4D73-8EB5-808EBC98EA3B}" destId="{62A1EF75-B82A-450E-A177-1924E89943BB}" srcOrd="1" destOrd="0" parTransId="{C99200E4-498F-4FAB-B80E-C32B17736EAE}" sibTransId="{E8B6E7B2-03C0-4264-8419-7768316A6A87}"/>
-    <dgm:cxn modelId="{0E31EA87-D3C0-48EE-9990-5F29B574EF1E}" type="presOf" srcId="{62A1EF75-B82A-450E-A177-1924E89943BB}" destId="{DA412D7D-090E-467D-A689-0E3D2E999567}" srcOrd="0" destOrd="0" presId="urn:microsoft.com/office/officeart/2005/8/layout/chevron2"/>
-    <dgm:cxn modelId="{3F29873C-2A01-414F-BDD9-E608B8FD573C}" srcId="{EF6283EA-CD84-4176-AF38-B0B34F43979E}" destId="{B89C5B69-A3A6-4756-8100-7A150B9D9DC7}" srcOrd="0" destOrd="0" parTransId="{82E0AFF5-B6C9-4404-9070-16A50BB8EEBE}" sibTransId="{B9505DD2-4099-46B5-875E-E1E4588F527E}"/>
-    <dgm:cxn modelId="{E7D83CFE-41A9-4F12-9E03-C4FDDCB5DD3D}" type="presOf" srcId="{191D8357-C9C4-4144-AC1F-30CC948EE903}" destId="{EA13E1DF-FA45-4077-8845-4EC225E8B39A}" srcOrd="0" destOrd="0" presId="urn:microsoft.com/office/officeart/2005/8/layout/chevron2"/>
-    <dgm:cxn modelId="{274DBF39-81C0-4E10-B6DA-A066F1317FE0}" srcId="{62A1EF75-B82A-450E-A177-1924E89943BB}" destId="{90D51575-9E72-49DC-A1F1-3E90EB2AF937}" srcOrd="1" destOrd="0" parTransId="{3D1FD573-E743-4C7D-A67D-ABD6581F3916}" sibTransId="{9C5A68A4-324E-45E2-A94E-BC0B5B9D3F85}"/>
-    <dgm:cxn modelId="{024345CD-77AD-4953-BD75-2D806C87FB42}" srcId="{6F8942F5-096F-4D4D-B434-5C9172C01475}" destId="{92233023-40AE-4B3A-B3D1-12C4ECFD8B7A}" srcOrd="1" destOrd="0" parTransId="{D7B50C91-EA27-43E6-B5E3-E00A33081681}" sibTransId="{D3C76BD4-5068-441E-B37C-9854246D9A80}"/>
-    <dgm:cxn modelId="{22C06BFD-DAC1-4204-BE5C-3E93601058E8}" type="presOf" srcId="{4A50EDF9-6A9D-4AD5-A496-36A1A2ACCC24}" destId="{1B501460-0F9B-4894-99DE-B654B02CD1EC}" srcOrd="0" destOrd="0" presId="urn:microsoft.com/office/officeart/2005/8/layout/chevron2"/>
-    <dgm:cxn modelId="{FE279DBD-28C6-4BA0-98B8-30A07EF1F0C8}" srcId="{CD0C6CB6-2537-4D73-8EB5-808EBC98EA3B}" destId="{6F8942F5-096F-4D4D-B434-5C9172C01475}" srcOrd="2" destOrd="0" parTransId="{702CF221-6224-4136-BA40-461D252580B2}" sibTransId="{9A8679DD-BF3D-4771-AFB9-8F3F354515C2}"/>
-    <dgm:cxn modelId="{CF078DAD-D1B5-4BC5-AFB3-856A7C5FA8F4}" srcId="{6F8942F5-096F-4D4D-B434-5C9172C01475}" destId="{4A50EDF9-6A9D-4AD5-A496-36A1A2ACCC24}" srcOrd="0" destOrd="0" parTransId="{A1DC8704-781D-4358-830D-CB5F381265D9}" sibTransId="{1400EEE2-C048-4F43-A033-55DBAA3D4C99}"/>
-    <dgm:cxn modelId="{90DF4529-1CA5-40A2-98EB-86483F6322FF}" type="presOf" srcId="{CD0C6CB6-2537-4D73-8EB5-808EBC98EA3B}" destId="{C934A9A3-E264-4593-A613-8396741F1A6E}" srcOrd="0" destOrd="0" presId="urn:microsoft.com/office/officeart/2005/8/layout/chevron2"/>
-    <dgm:cxn modelId="{1D7A1C2F-A6BE-4F01-8436-6BCE1219929D}" type="presOf" srcId="{B89C5B69-A3A6-4756-8100-7A150B9D9DC7}" destId="{2003AF21-E137-40E6-8087-16EA2E529668}" srcOrd="0" destOrd="0" presId="urn:microsoft.com/office/officeart/2005/8/layout/chevron2"/>
-    <dgm:cxn modelId="{E98B9760-74AC-4455-A437-DA70B4664160}" type="presOf" srcId="{6F8942F5-096F-4D4D-B434-5C9172C01475}" destId="{F459009B-8149-4A9A-9ADB-944CB89AF632}" srcOrd="0" destOrd="0" presId="urn:microsoft.com/office/officeart/2005/8/layout/chevron2"/>
-    <dgm:cxn modelId="{ED825373-58E0-4EB5-BDB0-DB879F7BA845}" srcId="{CD0C6CB6-2537-4D73-8EB5-808EBC98EA3B}" destId="{EF6283EA-CD84-4176-AF38-B0B34F43979E}" srcOrd="0" destOrd="0" parTransId="{52551DE9-EF16-4763-AC2A-3C2D37B0CBA2}" sibTransId="{16C93664-317C-4B33-9BBB-30CA7847A23E}"/>
-    <dgm:cxn modelId="{18A92D75-B484-4541-A569-0F9222E9E791}" type="presOf" srcId="{92233023-40AE-4B3A-B3D1-12C4ECFD8B7A}" destId="{1B501460-0F9B-4894-99DE-B654B02CD1EC}" srcOrd="0" destOrd="1" presId="urn:microsoft.com/office/officeart/2005/8/layout/chevron2"/>
-    <dgm:cxn modelId="{24CD01C7-BB86-4543-8757-6F16FE7C682E}" srcId="{62A1EF75-B82A-450E-A177-1924E89943BB}" destId="{191D8357-C9C4-4144-AC1F-30CC948EE903}" srcOrd="0" destOrd="0" parTransId="{76365845-D99A-42E5-B971-F55959ED613B}" sibTransId="{2DCCFDB3-A4D7-4ED5-B5C0-6A69666A2DB4}"/>
     <dgm:cxn modelId="{FE15DE0C-FEF1-45A6-940E-19183799EFED}" type="presParOf" srcId="{C934A9A3-E264-4593-A613-8396741F1A6E}" destId="{A8904355-53A6-49FF-B61A-45BB4C7169F4}" srcOrd="0" destOrd="0" presId="urn:microsoft.com/office/officeart/2005/8/layout/chevron2"/>
     <dgm:cxn modelId="{09F221D2-4ABA-4CBC-9941-9AE334FBF664}" type="presParOf" srcId="{A8904355-53A6-49FF-B61A-45BB4C7169F4}" destId="{C9ACCE0B-E0F3-47B9-83C0-5BABAE820B13}" srcOrd="0" destOrd="0" presId="urn:microsoft.com/office/officeart/2005/8/layout/chevron2"/>
     <dgm:cxn modelId="{4E8E8112-C0C5-493C-9785-E8313721C3CE}" type="presParOf" srcId="{A8904355-53A6-49FF-B61A-45BB4C7169F4}" destId="{2003AF21-E137-40E6-8087-16EA2E529668}" srcOrd="1" destOrd="0" presId="urn:microsoft.com/office/officeart/2005/8/layout/chevron2"/>
@@ -18734,10 +18811,6 @@
               <a:rPr lang="en-IN" sz="2800" dirty="0" smtClean="0"/>
               <a:t>LENDING CLUB CASE STUDY</a:t>
             </a:r>
-            <a:r>
-              <a:rPr lang="en-IN" sz="2800" dirty="0" smtClean="0"/>
-              <a:t/>
-            </a:r>
             <a:br>
               <a:rPr lang="en-IN" sz="2800" dirty="0" smtClean="0"/>
             </a:br>
@@ -18785,14 +18858,23 @@
             </a:r>
             <a:r>
               <a:rPr lang="en-IN" sz="1800" dirty="0" smtClean="0"/>
-              <a:t>: Gajula Jagadeesh</a:t>
-            </a:r>
+              <a:t>: </a:t>
+            </a:r>
+            <a:r>
+              <a:rPr lang="en-IN" sz="1800" dirty="0" smtClean="0"/>
+              <a:t>Srinivas soma </a:t>
+            </a:r>
+            <a:endParaRPr lang="en-IN" sz="1800" dirty="0" smtClean="0"/>
           </a:p>
           <a:p>
             <a:pPr algn="l"/>
             <a:r>
               <a:rPr lang="en-IN" sz="1800" dirty="0" smtClean="0"/>
               <a:t>            </a:t>
+            </a:r>
+            <a:r>
+              <a:rPr lang="en-IN" sz="1800" dirty="0" smtClean="0"/>
+              <a:t>Gajula Jagadeesh</a:t>
             </a:r>
             <a:endParaRPr lang="en-IN" sz="1800" dirty="0"/>
           </a:p>
@@ -20225,13 +20307,8 @@
             </a:pPr>
             <a:r>
               <a:rPr lang="en-IN" sz="2000" dirty="0" smtClean="0"/>
-              <a:t>Lending club </a:t>
-            </a:r>
-            <a:r>
-              <a:rPr lang="en-IN" sz="2000" dirty="0" smtClean="0"/>
-              <a:t>data is real world data. Every insight help lender for better outcome and its really intuitive for learners. Numerical was bit confusing because distribution is not even. Categorical data was little easier. </a:t>
-            </a:r>
-            <a:endParaRPr lang="en-IN" sz="2000" dirty="0" smtClean="0"/>
+              <a:t>Lending club data is real world data. Every insight help lender for better outcome and its really intuitive for learners. Numerical was bit confusing because distribution is not even. Categorical data was little easier. </a:t>
+            </a:r>
           </a:p>
           <a:p>
             <a:pPr marL="0" indent="0">
@@ -20239,11 +20316,7 @@
             </a:pPr>
             <a:r>
               <a:rPr lang="en-IN" sz="2000" dirty="0" smtClean="0"/>
-              <a:t>This Case study is really a great experience and exposure to real world datasets. we</a:t>
-            </a:r>
-            <a:r>
-              <a:rPr lang="en-IN" sz="2000" dirty="0" smtClean="0"/>
-              <a:t> got to learn about risk analysis for the first time. Exploratory data analysis have no end we can each into each variable and draw new insights. We are just limited with time and resources. We don’t need that much of depth in every aspect, </a:t>
+              <a:t>This Case study is really a great experience and exposure to real world datasets. we got to learn about risk analysis for the first time. Exploratory data analysis have no end we can each into each variable and draw new insights. We are just limited with time and resources. We don’t need that much of depth in every aspect, </a:t>
             </a:r>
             <a:r>
               <a:rPr lang="en-IN" sz="2000" dirty="0"/>
@@ -20251,7 +20324,32 @@
             </a:r>
             <a:r>
               <a:rPr lang="en-IN" sz="2000" dirty="0" smtClean="0"/>
-              <a:t>point. Since too much preparation won’t work. we wanted to do further analysis with derived metrics. We got to learn some profound things and sanity ways of exploring into datasets. I really thankful for group mate. He was guiding me with better suggestions and same in case of student mentor. Its really a great hands on experience. Thank you </a:t>
+              <a:t>point. Since too much preparation won’t work. we wanted to do further analysis with derived metrics. We got to learn some profound things and sanity ways of exploring into datasets. I really thankful for group mate. He was guiding me with better suggestions and same in case of student mentor. Its really a great hands on experience</a:t>
+            </a:r>
+            <a:r>
+              <a:rPr lang="en-IN" sz="2000" dirty="0" smtClean="0"/>
+              <a:t>.</a:t>
+            </a:r>
+          </a:p>
+          <a:p>
+            <a:pPr marL="0" indent="0">
+              <a:buNone/>
+            </a:pPr>
+            <a:r>
+              <a:rPr lang="en-IN" sz="2000"/>
+              <a:t>	</a:t>
+            </a:r>
+            <a:r>
+              <a:rPr lang="en-IN" sz="2000" smtClean="0"/>
+              <a:t>				</a:t>
+            </a:r>
+            <a:r>
+              <a:rPr lang="en-IN" sz="2000" smtClean="0"/>
+              <a:t> </a:t>
+            </a:r>
+            <a:r>
+              <a:rPr lang="en-IN" sz="2000" dirty="0" smtClean="0"/>
+              <a:t>Thank you </a:t>
             </a:r>
             <a:endParaRPr lang="en-IN" sz="2000" dirty="0"/>
           </a:p>
@@ -20348,11 +20446,7 @@
             </a:pPr>
             <a:r>
               <a:rPr lang="en-IN" sz="2000" dirty="0" smtClean="0"/>
-              <a:t>This is case study on lending club which is a online portal where people apply for loan and borrow money. Lending club is for two kind of people. Lenders and borrows. </a:t>
-            </a:r>
-            <a:r>
-              <a:rPr lang="en-IN" sz="2000" dirty="0" smtClean="0"/>
-              <a:t>We are on lenders side. We are provided with data and we need to conduct </a:t>
+              <a:t>This is case study on lending club which is a online portal where people apply for loan and borrow money. Lending club is for two kind of people. Lenders and borrows. We are on lenders side. We are provided with data and we need to conduct </a:t>
             </a:r>
             <a:r>
               <a:rPr lang="en-IN" sz="2000" b="1" dirty="0" smtClean="0">
@@ -20368,11 +20462,7 @@
             </a:r>
             <a:r>
               <a:rPr lang="en-IN" sz="2000" dirty="0" smtClean="0"/>
-              <a:t>on data.</a:t>
-            </a:r>
-            <a:r>
-              <a:rPr lang="en-IN" sz="2000" dirty="0" smtClean="0"/>
-              <a:t> Data contains more than 100 variables but, We are concerned about </a:t>
+              <a:t>on data. Data contains more than 100 variables but, We are concerned about </a:t>
             </a:r>
             <a:r>
               <a:rPr lang="en-IN" sz="2000" b="1" dirty="0" smtClean="0">
@@ -20384,11 +20474,7 @@
             </a:r>
             <a:r>
               <a:rPr lang="en-IN" sz="2000" dirty="0" smtClean="0"/>
-              <a:t> the target variable which contains 3 categories of loan status. </a:t>
-            </a:r>
-            <a:r>
-              <a:rPr lang="en-IN" sz="2000" dirty="0" smtClean="0"/>
-              <a:t>Fully paid, current and charged off. We need to tell the most effecting variables in an application and hints of loan application will be defaulted. So that lenders or investors will be aware of the coming events. </a:t>
+              <a:t> the target variable which contains 3 categories of loan status. Fully paid, current and charged off. We need to tell the most effecting variables in an application and hints of loan application will be defaulted. So that lenders or investors will be aware of the coming events. </a:t>
             </a:r>
           </a:p>
           <a:p>
@@ -20397,11 +20483,7 @@
             </a:pPr>
             <a:r>
               <a:rPr lang="en-IN" sz="2000" dirty="0" smtClean="0"/>
-              <a:t>Loan approvals will be based on analysis conducted. So every hint and variable matters. This </a:t>
-            </a:r>
-            <a:r>
-              <a:rPr lang="en-IN" sz="2000" dirty="0" smtClean="0"/>
-              <a:t>EDA eases application process even before it is shown to lender. Applications will be filtered in minutes and loan status will be predicted in real time. </a:t>
+              <a:t>Loan approvals will be based on analysis conducted. So every hint and variable matters. This EDA eases application process even before it is shown to lender. Applications will be filtered in minutes and loan status will be predicted in real time. </a:t>
             </a:r>
             <a:endParaRPr lang="en-IN" sz="2000" dirty="0"/>
           </a:p>
@@ -20913,11 +20995,7 @@
             </a:r>
             <a:r>
               <a:rPr lang="en-IN" sz="1600" dirty="0" smtClean="0"/>
-              <a:t>57 wer</a:t>
-            </a:r>
-            <a:r>
-              <a:rPr lang="en-IN" sz="1600" dirty="0" smtClean="0"/>
-              <a:t>e left after dropping all null columns</a:t>
+              <a:t>57 were left after dropping all null columns</a:t>
             </a:r>
           </a:p>
           <a:p>
@@ -20930,15 +21008,7 @@
             </a:r>
             <a:r>
               <a:rPr lang="en-IN" sz="1600" dirty="0" smtClean="0"/>
-              <a:t>6 columns were having </a:t>
-            </a:r>
-            <a:r>
-              <a:rPr lang="en-IN" sz="1600" dirty="0" smtClean="0"/>
-              <a:t>only </a:t>
-            </a:r>
-            <a:r>
-              <a:rPr lang="en-IN" sz="1600" dirty="0" smtClean="0"/>
-              <a:t>one unique value so dropped since it can’t help us </a:t>
+              <a:t>6 columns were having only one unique value so dropped since it can’t help us </a:t>
             </a:r>
           </a:p>
           <a:p>
@@ -21105,11 +21175,7 @@
             </a:pPr>
             <a:r>
               <a:rPr lang="en-IN" sz="1400" dirty="0" smtClean="0"/>
-              <a:t>Separation </a:t>
-            </a:r>
-            <a:r>
-              <a:rPr lang="en-IN" sz="1400" dirty="0" smtClean="0"/>
-              <a:t>of numerical and categorical data:</a:t>
+              <a:t>Separation of numerical and categorical data:</a:t>
             </a:r>
           </a:p>
           <a:p>
@@ -21179,11 +21245,7 @@
             </a:pPr>
             <a:r>
               <a:rPr lang="en-IN" sz="1400" dirty="0"/>
-              <a:t>	</a:t>
-            </a:r>
-            <a:r>
-              <a:rPr lang="en-IN" sz="1400" dirty="0"/>
-              <a:t>M</a:t>
+              <a:t>	M</a:t>
             </a:r>
             <a:r>
               <a:rPr lang="en-IN" sz="1400" dirty="0" smtClean="0"/>
@@ -21200,11 +21262,7 @@
             </a:r>
             <a:r>
               <a:rPr lang="en-IN" sz="1400" dirty="0" smtClean="0"/>
-              <a:t>8 columns were very crucial </a:t>
-            </a:r>
-            <a:r>
-              <a:rPr lang="en-IN" sz="1400" dirty="0" smtClean="0"/>
-              <a:t> </a:t>
+              <a:t>8 columns were very crucial  </a:t>
             </a:r>
           </a:p>
           <a:p>
@@ -21239,11 +21297,7 @@
             </a:r>
             <a:r>
               <a:rPr lang="en-IN" sz="1400" dirty="0" smtClean="0"/>
-              <a:t>Risk factors are discussed </a:t>
-            </a:r>
-            <a:r>
-              <a:rPr lang="en-IN" sz="1400" dirty="0" smtClean="0"/>
-              <a:t>further in PPT</a:t>
+              <a:t>Risk factors are discussed further in PPT</a:t>
             </a:r>
           </a:p>
           <a:p>
